--- a/presentation.pptx
+++ b/presentation.pptx
@@ -842,7 +842,7 @@
           <a:p>
             <a:fld id="{13624848-98F1-41A3-9842-4163C0C2F74B}" type="datetimeFigureOut">
               <a:rPr lang="en-US" smtClean="0"/>
-              <a:t>7/15/22</a:t>
+              <a:t>7/19/22</a:t>
             </a:fld>
             <a:endParaRPr lang="en-US"/>
           </a:p>
@@ -1093,7 +1093,7 @@
           <a:p>
             <a:fld id="{13624848-98F1-41A3-9842-4163C0C2F74B}" type="datetimeFigureOut">
               <a:rPr lang="en-US" smtClean="0"/>
-              <a:t>7/15/22</a:t>
+              <a:t>7/19/22</a:t>
             </a:fld>
             <a:endParaRPr lang="en-US"/>
           </a:p>
@@ -1407,7 +1407,7 @@
           <a:p>
             <a:fld id="{13624848-98F1-41A3-9842-4163C0C2F74B}" type="datetimeFigureOut">
               <a:rPr lang="en-US" smtClean="0"/>
-              <a:t>7/15/22</a:t>
+              <a:t>7/19/22</a:t>
             </a:fld>
             <a:endParaRPr lang="en-US"/>
           </a:p>
@@ -1748,7 +1748,7 @@
           <a:p>
             <a:fld id="{13624848-98F1-41A3-9842-4163C0C2F74B}" type="datetimeFigureOut">
               <a:rPr lang="en-US" smtClean="0"/>
-              <a:t>7/15/22</a:t>
+              <a:t>7/19/22</a:t>
             </a:fld>
             <a:endParaRPr lang="en-US"/>
           </a:p>
@@ -2062,7 +2062,7 @@
           <a:p>
             <a:fld id="{13624848-98F1-41A3-9842-4163C0C2F74B}" type="datetimeFigureOut">
               <a:rPr lang="en-US" smtClean="0"/>
-              <a:t>7/15/22</a:t>
+              <a:t>7/19/22</a:t>
             </a:fld>
             <a:endParaRPr lang="en-US"/>
           </a:p>
@@ -2455,7 +2455,7 @@
           <a:p>
             <a:fld id="{13624848-98F1-41A3-9842-4163C0C2F74B}" type="datetimeFigureOut">
               <a:rPr lang="en-US" smtClean="0"/>
-              <a:t>7/15/22</a:t>
+              <a:t>7/19/22</a:t>
             </a:fld>
             <a:endParaRPr lang="en-US"/>
           </a:p>
@@ -2625,7 +2625,7 @@
           <a:p>
             <a:fld id="{13624848-98F1-41A3-9842-4163C0C2F74B}" type="datetimeFigureOut">
               <a:rPr lang="en-US" smtClean="0"/>
-              <a:t>7/15/22</a:t>
+              <a:t>7/19/22</a:t>
             </a:fld>
             <a:endParaRPr lang="en-US"/>
           </a:p>
@@ -2805,7 +2805,7 @@
           <a:p>
             <a:fld id="{13624848-98F1-41A3-9842-4163C0C2F74B}" type="datetimeFigureOut">
               <a:rPr lang="en-US" smtClean="0"/>
-              <a:t>7/15/22</a:t>
+              <a:t>7/19/22</a:t>
             </a:fld>
             <a:endParaRPr lang="en-US"/>
           </a:p>
@@ -2981,7 +2981,7 @@
           <a:p>
             <a:fld id="{13624848-98F1-41A3-9842-4163C0C2F74B}" type="datetimeFigureOut">
               <a:rPr lang="en-US" smtClean="0"/>
-              <a:t>7/15/22</a:t>
+              <a:t>7/19/22</a:t>
             </a:fld>
             <a:endParaRPr lang="en-US"/>
           </a:p>
@@ -3228,7 +3228,7 @@
           <a:p>
             <a:fld id="{13624848-98F1-41A3-9842-4163C0C2F74B}" type="datetimeFigureOut">
               <a:rPr lang="en-US" smtClean="0"/>
-              <a:t>7/15/22</a:t>
+              <a:t>7/19/22</a:t>
             </a:fld>
             <a:endParaRPr lang="en-US"/>
           </a:p>
@@ -3460,7 +3460,7 @@
           <a:p>
             <a:fld id="{13624848-98F1-41A3-9842-4163C0C2F74B}" type="datetimeFigureOut">
               <a:rPr lang="en-US" smtClean="0"/>
-              <a:t>7/15/22</a:t>
+              <a:t>7/19/22</a:t>
             </a:fld>
             <a:endParaRPr lang="en-US"/>
           </a:p>
@@ -3834,7 +3834,7 @@
           <a:p>
             <a:fld id="{13624848-98F1-41A3-9842-4163C0C2F74B}" type="datetimeFigureOut">
               <a:rPr lang="en-US" smtClean="0"/>
-              <a:t>7/15/22</a:t>
+              <a:t>7/19/22</a:t>
             </a:fld>
             <a:endParaRPr lang="en-US"/>
           </a:p>
@@ -3957,7 +3957,7 @@
           <a:p>
             <a:fld id="{13624848-98F1-41A3-9842-4163C0C2F74B}" type="datetimeFigureOut">
               <a:rPr lang="en-US" smtClean="0"/>
-              <a:t>7/15/22</a:t>
+              <a:t>7/19/22</a:t>
             </a:fld>
             <a:endParaRPr lang="en-US"/>
           </a:p>
@@ -4052,7 +4052,7 @@
           <a:p>
             <a:fld id="{13624848-98F1-41A3-9842-4163C0C2F74B}" type="datetimeFigureOut">
               <a:rPr lang="en-US" smtClean="0"/>
-              <a:t>7/15/22</a:t>
+              <a:t>7/19/22</a:t>
             </a:fld>
             <a:endParaRPr lang="en-US"/>
           </a:p>
@@ -4307,7 +4307,7 @@
           <a:p>
             <a:fld id="{13624848-98F1-41A3-9842-4163C0C2F74B}" type="datetimeFigureOut">
               <a:rPr lang="en-US" smtClean="0"/>
-              <a:t>7/15/22</a:t>
+              <a:t>7/19/22</a:t>
             </a:fld>
             <a:endParaRPr lang="en-US"/>
           </a:p>
@@ -4570,7 +4570,7 @@
           <a:p>
             <a:fld id="{13624848-98F1-41A3-9842-4163C0C2F74B}" type="datetimeFigureOut">
               <a:rPr lang="en-US" smtClean="0"/>
-              <a:t>7/15/22</a:t>
+              <a:t>7/19/22</a:t>
             </a:fld>
             <a:endParaRPr lang="en-US"/>
           </a:p>
@@ -5313,7 +5313,7 @@
           <a:p>
             <a:fld id="{13624848-98F1-41A3-9842-4163C0C2F74B}" type="datetimeFigureOut">
               <a:rPr lang="en-US" smtClean="0"/>
-              <a:t>7/15/22</a:t>
+              <a:t>7/19/22</a:t>
             </a:fld>
             <a:endParaRPr lang="en-US"/>
           </a:p>
@@ -6882,14 +6882,14 @@
             <p:ph idx="1"/>
             <p:extLst>
               <p:ext uri="{D42A27DB-BD31-4B8C-83A1-F6EECF244321}">
-                <p14:modId xmlns:p14="http://schemas.microsoft.com/office/powerpoint/2010/main" val="3240497080"/>
+                <p14:modId xmlns:p14="http://schemas.microsoft.com/office/powerpoint/2010/main" val="2738588826"/>
               </p:ext>
             </p:extLst>
           </p:nvPr>
         </p:nvGraphicFramePr>
         <p:xfrm>
           <a:off x="677863" y="2160588"/>
-          <a:ext cx="8596311" cy="1483360"/>
+          <a:ext cx="8596311" cy="2021840"/>
         </p:xfrm>
         <a:graphic>
           <a:graphicData uri="http://schemas.openxmlformats.org/drawingml/2006/table">
@@ -7048,7 +7048,10 @@
                     <a:bodyPr/>
                     <a:lstStyle/>
                     <a:p>
-                      <a:endParaRPr lang="en-VN" dirty="0"/>
+                      <a:r>
+                        <a:rPr lang="en-VN" dirty="0"/>
+                        <a:t>Design system, Develop pages for supplier </a:t>
+                      </a:r>
                     </a:p>
                   </a:txBody>
                   <a:tcPr/>
@@ -7091,7 +7094,10 @@
                     <a:bodyPr/>
                     <a:lstStyle/>
                     <a:p>
-                      <a:endParaRPr lang="en-VN" dirty="0"/>
+                      <a:r>
+                        <a:rPr lang="en-VN" dirty="0"/>
+                        <a:t>Develop pages for customer</a:t>
+                      </a:r>
                     </a:p>
                   </a:txBody>
                   <a:tcPr/>
